--- a/files/teaching-resources/concordiacollege-busn-315/busn-315-lecture-note/busn315-ch07.pptx
+++ b/files/teaching-resources/concordiacollege-busn-315/busn-315-lecture-note/busn315-ch07.pptx
@@ -241,7 +241,7 @@
           <a:p>
             <a:fld id="{2D359EC7-19C7-4638-A61A-0E2B59861576}" type="datetimeFigureOut">
               <a:rPr lang="en-US" smtClean="0"/>
-              <a:t>10/31/2025</a:t>
+              <a:t>11/10/2025</a:t>
             </a:fld>
             <a:endParaRPr lang="en-US"/>
           </a:p>
@@ -3711,7 +3711,7 @@
           <a:p>
             <a:fld id="{DFCAFFB9-A874-4FD1-A824-B4042D61D1ED}" type="datetime1">
               <a:rPr lang="en-US" smtClean="0"/>
-              <a:t>10/31/2025</a:t>
+              <a:t>11/10/2025</a:t>
             </a:fld>
             <a:endParaRPr lang="en-US"/>
           </a:p>
@@ -3882,7 +3882,7 @@
           <a:p>
             <a:fld id="{D290497A-627B-46A8-B138-876D4281251E}" type="datetime1">
               <a:rPr lang="en-US" smtClean="0"/>
-              <a:t>10/31/2025</a:t>
+              <a:t>11/10/2025</a:t>
             </a:fld>
             <a:endParaRPr lang="en-US"/>
           </a:p>
@@ -4063,7 +4063,7 @@
           <a:p>
             <a:fld id="{81749246-640D-41B6-A07B-C0FA43D7FEE2}" type="datetime1">
               <a:rPr lang="en-US" smtClean="0"/>
-              <a:t>10/31/2025</a:t>
+              <a:t>11/10/2025</a:t>
             </a:fld>
             <a:endParaRPr lang="en-US"/>
           </a:p>
@@ -4234,7 +4234,7 @@
           <a:p>
             <a:fld id="{2EF79C1E-59CB-458D-A8DF-3DF069B9691A}" type="datetime1">
               <a:rPr lang="en-US" smtClean="0"/>
-              <a:t>10/31/2025</a:t>
+              <a:t>11/10/2025</a:t>
             </a:fld>
             <a:endParaRPr lang="en-US"/>
           </a:p>
@@ -4482,7 +4482,7 @@
           <a:p>
             <a:fld id="{40B038F5-1F4F-49BC-AE81-A69593E39F17}" type="datetime1">
               <a:rPr lang="en-US" smtClean="0"/>
-              <a:t>10/31/2025</a:t>
+              <a:t>11/10/2025</a:t>
             </a:fld>
             <a:endParaRPr lang="en-US"/>
           </a:p>
@@ -4770,7 +4770,7 @@
           <a:p>
             <a:fld id="{3F2B9C03-4953-4667-8B38-5F82E8B7824A}" type="datetime1">
               <a:rPr lang="en-US" smtClean="0"/>
-              <a:t>10/31/2025</a:t>
+              <a:t>11/10/2025</a:t>
             </a:fld>
             <a:endParaRPr lang="en-US"/>
           </a:p>
@@ -5192,7 +5192,7 @@
           <a:p>
             <a:fld id="{CCFF53C9-7EE5-4279-90C5-33FD7C6945F2}" type="datetime1">
               <a:rPr lang="en-US" smtClean="0"/>
-              <a:t>10/31/2025</a:t>
+              <a:t>11/10/2025</a:t>
             </a:fld>
             <a:endParaRPr lang="en-US"/>
           </a:p>
@@ -5312,7 +5312,7 @@
           <a:p>
             <a:fld id="{604720FA-FDEE-4E83-A4C7-BC2FB4952465}" type="datetime1">
               <a:rPr lang="en-US" smtClean="0"/>
-              <a:t>10/31/2025</a:t>
+              <a:t>11/10/2025</a:t>
             </a:fld>
             <a:endParaRPr lang="en-US"/>
           </a:p>
@@ -5410,7 +5410,7 @@
           <a:p>
             <a:fld id="{F4851516-679C-4D73-B89D-29E30821AF23}" type="datetime1">
               <a:rPr lang="en-US" smtClean="0"/>
-              <a:t>10/31/2025</a:t>
+              <a:t>11/10/2025</a:t>
             </a:fld>
             <a:endParaRPr lang="en-US"/>
           </a:p>
@@ -5688,7 +5688,7 @@
           <a:p>
             <a:fld id="{6B003A1F-F54C-4527-A898-553BBCF40EAB}" type="datetime1">
               <a:rPr lang="en-US" smtClean="0"/>
-              <a:t>10/31/2025</a:t>
+              <a:t>11/10/2025</a:t>
             </a:fld>
             <a:endParaRPr lang="en-US"/>
           </a:p>
@@ -5943,7 +5943,7 @@
           <a:p>
             <a:fld id="{12FD13F6-D87E-4E9E-B027-94AE4C3308CD}" type="datetime1">
               <a:rPr lang="en-US" smtClean="0"/>
-              <a:t>10/31/2025</a:t>
+              <a:t>11/10/2025</a:t>
             </a:fld>
             <a:endParaRPr lang="en-US"/>
           </a:p>
@@ -6157,7 +6157,7 @@
           <a:p>
             <a:fld id="{5BE17758-26A5-42DB-960B-17BBCDA98EFC}" type="datetime1">
               <a:rPr lang="en-US" smtClean="0"/>
-              <a:t>10/31/2025</a:t>
+              <a:t>11/10/2025</a:t>
             </a:fld>
             <a:endParaRPr lang="en-US"/>
           </a:p>
@@ -7180,6 +7180,34 @@
             </a:r>
           </a:p>
           <a:p>
+            <a:pPr lvl="1">
+              <a:defRPr sz="2000">
+                <a:solidFill>
+                  <a:srgbClr val="000000"/>
+                </a:solidFill>
+                <a:latin typeface="Garamond"/>
+              </a:defRPr>
+            </a:pPr>
+            <a:r>
+              <a:rPr lang="en-US" altLang="zh-TW" sz="2000" dirty="0"/>
+              <a:t>Transmission Control Protocol/Internet Protocol.</a:t>
+            </a:r>
+          </a:p>
+          <a:p>
+            <a:pPr lvl="1">
+              <a:defRPr sz="2000">
+                <a:solidFill>
+                  <a:srgbClr val="000000"/>
+                </a:solidFill>
+                <a:latin typeface="Garamond"/>
+              </a:defRPr>
+            </a:pPr>
+            <a:r>
+              <a:rPr lang="en-US" altLang="zh-TW" sz="2000" dirty="0"/>
+              <a:t>Standardizes rules for communication on the internet.</a:t>
+            </a:r>
+          </a:p>
+          <a:p>
             <a:pPr lvl="3">
               <a:defRPr sz="2000">
                 <a:solidFill>
@@ -7201,7 +7229,37 @@
             </a:pPr>
             <a:r>
               <a:rPr lang="en-US" altLang="zh-TW" sz="2400" dirty="0"/>
-              <a:t>IP address: a numeric identifier for each device on the network.</a:t>
+              <a:t>IP address: A numeric unique identifier for each device on the network.</a:t>
+            </a:r>
+            <a:endParaRPr lang="en-US" altLang="zh-TW" sz="1200" dirty="0"/>
+          </a:p>
+          <a:p>
+            <a:pPr lvl="1">
+              <a:defRPr sz="2000">
+                <a:solidFill>
+                  <a:srgbClr val="000000"/>
+                </a:solidFill>
+                <a:latin typeface="Garamond"/>
+              </a:defRPr>
+            </a:pPr>
+            <a:r>
+              <a:rPr lang="en-US" altLang="zh-TW" sz="2000" dirty="0"/>
+              <a:t>IPv4: 32-bit addresses, about four billion total, nearly exhausted.</a:t>
+            </a:r>
+            <a:endParaRPr lang="en-US" altLang="zh-TW" sz="1200" dirty="0"/>
+          </a:p>
+          <a:p>
+            <a:pPr lvl="1">
+              <a:defRPr sz="2000">
+                <a:solidFill>
+                  <a:srgbClr val="000000"/>
+                </a:solidFill>
+                <a:latin typeface="Garamond"/>
+              </a:defRPr>
+            </a:pPr>
+            <a:r>
+              <a:rPr lang="en-US" altLang="zh-TW" sz="2000" dirty="0"/>
+              <a:t>IPv6: 128-bit addresses, virtually unlimited supply, designed to solve IPv4 exhaustion.</a:t>
             </a:r>
           </a:p>
           <a:p>
@@ -7226,11 +7284,11 @@
             </a:pPr>
             <a:r>
               <a:rPr lang="en-US" altLang="zh-TW" sz="2400" dirty="0"/>
-              <a:t>IPv4: 32-bit addresses, about four billion total.</a:t>
-            </a:r>
-          </a:p>
-          <a:p>
-            <a:pPr lvl="3">
+              <a:t>Domain Name System (DNS)</a:t>
+            </a:r>
+          </a:p>
+          <a:p>
+            <a:pPr lvl="1">
               <a:defRPr sz="2000">
                 <a:solidFill>
                   <a:srgbClr val="000000"/>
@@ -7238,10 +7296,13 @@
                 <a:latin typeface="Garamond"/>
               </a:defRPr>
             </a:pPr>
-            <a:endParaRPr lang="en-US" altLang="zh-TW" sz="1200" dirty="0"/>
-          </a:p>
-          <a:p>
-            <a:pPr>
+            <a:r>
+              <a:rPr lang="en-US" altLang="zh-TW" sz="2000" dirty="0"/>
+              <a:t>Acts as a “directory” of the internet.</a:t>
+            </a:r>
+          </a:p>
+          <a:p>
+            <a:pPr lvl="1">
               <a:defRPr sz="2000">
                 <a:solidFill>
                   <a:srgbClr val="000000"/>
@@ -7250,59 +7311,8 @@
               </a:defRPr>
             </a:pPr>
             <a:r>
-              <a:rPr lang="en-US" altLang="zh-TW" sz="2400" dirty="0"/>
-              <a:t>IPv6: 128-bit addresses, virtually unlimited supply.</a:t>
-            </a:r>
-          </a:p>
-          <a:p>
-            <a:pPr lvl="3">
-              <a:defRPr sz="2000">
-                <a:solidFill>
-                  <a:srgbClr val="000000"/>
-                </a:solidFill>
-                <a:latin typeface="Garamond"/>
-              </a:defRPr>
-            </a:pPr>
-            <a:endParaRPr lang="en-US" altLang="zh-TW" sz="1200" dirty="0"/>
-          </a:p>
-          <a:p>
-            <a:pPr>
-              <a:defRPr sz="2000">
-                <a:solidFill>
-                  <a:srgbClr val="000000"/>
-                </a:solidFill>
-                <a:latin typeface="Garamond"/>
-              </a:defRPr>
-            </a:pPr>
-            <a:r>
-              <a:rPr lang="en-US" altLang="zh-TW" sz="2400" dirty="0"/>
-              <a:t>Domain Name System (DNS): Converts domain names such as Amazon.com into IP addresses.</a:t>
-            </a:r>
-          </a:p>
-          <a:p>
-            <a:pPr marL="1371600" lvl="3" indent="0">
-              <a:buNone/>
-              <a:defRPr sz="2000">
-                <a:solidFill>
-                  <a:srgbClr val="000000"/>
-                </a:solidFill>
-                <a:latin typeface="Garamond"/>
-              </a:defRPr>
-            </a:pPr>
-            <a:endParaRPr lang="en-US" altLang="zh-TW" sz="1200" dirty="0"/>
-          </a:p>
-          <a:p>
-            <a:pPr>
-              <a:defRPr sz="2000">
-                <a:solidFill>
-                  <a:srgbClr val="000000"/>
-                </a:solidFill>
-                <a:latin typeface="Garamond"/>
-              </a:defRPr>
-            </a:pPr>
-            <a:r>
-              <a:rPr lang="en-US" altLang="zh-TW" sz="2400" dirty="0"/>
-              <a:t>Every organization buys bandwidth and connectivity from these providers.</a:t>
+              <a:rPr lang="en-US" altLang="zh-TW" sz="2000" dirty="0"/>
+              <a:t>Converts domain names such as Amazon.com into IP addresses.</a:t>
             </a:r>
             <a:endParaRPr lang="en-US" altLang="zh-TW" sz="1200" dirty="0"/>
           </a:p>
@@ -7617,33 +7627,58 @@
                                   </p:childTnLst>
                                 </p:cTn>
                               </p:par>
-                            </p:childTnLst>
-                          </p:cTn>
-                        </p:par>
-                      </p:childTnLst>
-                    </p:cTn>
-                  </p:par>
-                  <p:par>
-                    <p:cTn id="8" fill="hold">
-                      <p:stCondLst>
-                        <p:cond delay="indefinite"/>
-                      </p:stCondLst>
-                      <p:childTnLst>
-                        <p:par>
-                          <p:cTn id="9" fill="hold">
-                            <p:stCondLst>
-                              <p:cond delay="0"/>
-                            </p:stCondLst>
-                            <p:childTnLst>
                               <p:par>
-                                <p:cTn id="10" presetID="10" presetClass="entr" presetSubtype="0" fill="hold" nodeType="clickEffect">
+                                <p:cTn id="8" presetID="10" presetClass="entr" presetSubtype="0" fill="hold" nodeType="withEffect">
                                   <p:stCondLst>
                                     <p:cond delay="0"/>
                                   </p:stCondLst>
                                   <p:childTnLst>
                                     <p:set>
                                       <p:cBhvr>
-                                        <p:cTn id="11" dur="1" fill="hold">
+                                        <p:cTn id="9" dur="1" fill="hold">
+                                          <p:stCondLst>
+                                            <p:cond delay="0"/>
+                                          </p:stCondLst>
+                                        </p:cTn>
+                                        <p:tgtEl>
+                                          <p:spTgt spid="3">
+                                            <p:txEl>
+                                              <p:pRg st="1" end="1"/>
+                                            </p:txEl>
+                                          </p:spTgt>
+                                        </p:tgtEl>
+                                        <p:attrNameLst>
+                                          <p:attrName>style.visibility</p:attrName>
+                                        </p:attrNameLst>
+                                      </p:cBhvr>
+                                      <p:to>
+                                        <p:strVal val="visible"/>
+                                      </p:to>
+                                    </p:set>
+                                    <p:animEffect transition="in" filter="fade">
+                                      <p:cBhvr>
+                                        <p:cTn id="10" dur="500"/>
+                                        <p:tgtEl>
+                                          <p:spTgt spid="3">
+                                            <p:txEl>
+                                              <p:pRg st="1" end="1"/>
+                                            </p:txEl>
+                                          </p:spTgt>
+                                        </p:tgtEl>
+                                      </p:cBhvr>
+                                    </p:animEffect>
+                                  </p:childTnLst>
+                                </p:cTn>
+                              </p:par>
+                              <p:par>
+                                <p:cTn id="11" presetID="10" presetClass="entr" presetSubtype="0" fill="hold" nodeType="withEffect">
+                                  <p:stCondLst>
+                                    <p:cond delay="0"/>
+                                  </p:stCondLst>
+                                  <p:childTnLst>
+                                    <p:set>
+                                      <p:cBhvr>
+                                        <p:cTn id="12" dur="1" fill="hold">
                                           <p:stCondLst>
                                             <p:cond delay="0"/>
                                           </p:stCondLst>
@@ -7665,7 +7700,7 @@
                                     </p:set>
                                     <p:animEffect transition="in" filter="fade">
                                       <p:cBhvr>
-                                        <p:cTn id="12" dur="500"/>
+                                        <p:cTn id="13" dur="500"/>
                                         <p:tgtEl>
                                           <p:spTgt spid="3">
                                             <p:txEl>
@@ -7685,26 +7720,26 @@
                     </p:cTn>
                   </p:par>
                   <p:par>
-                    <p:cTn id="13" fill="hold">
+                    <p:cTn id="14" fill="hold">
                       <p:stCondLst>
                         <p:cond delay="indefinite"/>
                       </p:stCondLst>
                       <p:childTnLst>
                         <p:par>
-                          <p:cTn id="14" fill="hold">
+                          <p:cTn id="15" fill="hold">
                             <p:stCondLst>
                               <p:cond delay="0"/>
                             </p:stCondLst>
                             <p:childTnLst>
                               <p:par>
-                                <p:cTn id="15" presetID="10" presetClass="entr" presetSubtype="0" fill="hold" nodeType="clickEffect">
+                                <p:cTn id="16" presetID="10" presetClass="entr" presetSubtype="0" fill="hold" nodeType="clickEffect">
                                   <p:stCondLst>
                                     <p:cond delay="0"/>
                                   </p:stCondLst>
                                   <p:childTnLst>
                                     <p:set>
                                       <p:cBhvr>
-                                        <p:cTn id="16" dur="1" fill="hold">
+                                        <p:cTn id="17" dur="1" fill="hold">
                                           <p:stCondLst>
                                             <p:cond delay="0"/>
                                           </p:stCondLst>
@@ -7726,7 +7761,7 @@
                                     </p:set>
                                     <p:animEffect transition="in" filter="fade">
                                       <p:cBhvr>
-                                        <p:cTn id="17" dur="500"/>
+                                        <p:cTn id="18" dur="500"/>
                                         <p:tgtEl>
                                           <p:spTgt spid="3">
                                             <p:txEl>
@@ -7746,26 +7781,87 @@
                     </p:cTn>
                   </p:par>
                   <p:par>
-                    <p:cTn id="18" fill="hold">
+                    <p:cTn id="19" fill="hold">
                       <p:stCondLst>
                         <p:cond delay="indefinite"/>
                       </p:stCondLst>
                       <p:childTnLst>
                         <p:par>
-                          <p:cTn id="19" fill="hold">
+                          <p:cTn id="20" fill="hold">
                             <p:stCondLst>
                               <p:cond delay="0"/>
                             </p:stCondLst>
                             <p:childTnLst>
                               <p:par>
-                                <p:cTn id="20" presetID="10" presetClass="entr" presetSubtype="0" fill="hold" nodeType="clickEffect">
+                                <p:cTn id="21" presetID="10" presetClass="entr" presetSubtype="0" fill="hold" nodeType="clickEffect">
                                   <p:stCondLst>
                                     <p:cond delay="0"/>
                                   </p:stCondLst>
                                   <p:childTnLst>
                                     <p:set>
                                       <p:cBhvr>
-                                        <p:cTn id="21" dur="1" fill="hold">
+                                        <p:cTn id="22" dur="1" fill="hold">
+                                          <p:stCondLst>
+                                            <p:cond delay="0"/>
+                                          </p:stCondLst>
+                                        </p:cTn>
+                                        <p:tgtEl>
+                                          <p:spTgt spid="3">
+                                            <p:txEl>
+                                              <p:pRg st="5" end="5"/>
+                                            </p:txEl>
+                                          </p:spTgt>
+                                        </p:tgtEl>
+                                        <p:attrNameLst>
+                                          <p:attrName>style.visibility</p:attrName>
+                                        </p:attrNameLst>
+                                      </p:cBhvr>
+                                      <p:to>
+                                        <p:strVal val="visible"/>
+                                      </p:to>
+                                    </p:set>
+                                    <p:animEffect transition="in" filter="fade">
+                                      <p:cBhvr>
+                                        <p:cTn id="23" dur="500"/>
+                                        <p:tgtEl>
+                                          <p:spTgt spid="3">
+                                            <p:txEl>
+                                              <p:pRg st="5" end="5"/>
+                                            </p:txEl>
+                                          </p:spTgt>
+                                        </p:tgtEl>
+                                      </p:cBhvr>
+                                    </p:animEffect>
+                                  </p:childTnLst>
+                                </p:cTn>
+                              </p:par>
+                            </p:childTnLst>
+                          </p:cTn>
+                        </p:par>
+                      </p:childTnLst>
+                    </p:cTn>
+                  </p:par>
+                  <p:par>
+                    <p:cTn id="24" fill="hold">
+                      <p:stCondLst>
+                        <p:cond delay="indefinite"/>
+                      </p:stCondLst>
+                      <p:childTnLst>
+                        <p:par>
+                          <p:cTn id="25" fill="hold">
+                            <p:stCondLst>
+                              <p:cond delay="0"/>
+                            </p:stCondLst>
+                            <p:childTnLst>
+                              <p:par>
+                                <p:cTn id="26" presetID="10" presetClass="entr" presetSubtype="0" fill="hold" nodeType="clickEffect">
+                                  <p:stCondLst>
+                                    <p:cond delay="0"/>
+                                  </p:stCondLst>
+                                  <p:childTnLst>
+                                    <p:set>
+                                      <p:cBhvr>
+                                        <p:cTn id="27" dur="1" fill="hold">
                                           <p:stCondLst>
                                             <p:cond delay="0"/>
                                           </p:stCondLst>
@@ -7787,7 +7883,7 @@
                                     </p:set>
                                     <p:animEffect transition="in" filter="fade">
                                       <p:cBhvr>
-                                        <p:cTn id="22" dur="500"/>
+                                        <p:cTn id="28" dur="500"/>
                                         <p:tgtEl>
                                           <p:spTgt spid="3">
                                             <p:txEl>
@@ -7807,26 +7903,26 @@
                     </p:cTn>
                   </p:par>
                   <p:par>
-                    <p:cTn id="23" fill="hold">
+                    <p:cTn id="29" fill="hold">
                       <p:stCondLst>
                         <p:cond delay="indefinite"/>
                       </p:stCondLst>
                       <p:childTnLst>
                         <p:par>
-                          <p:cTn id="24" fill="hold">
+                          <p:cTn id="30" fill="hold">
                             <p:stCondLst>
                               <p:cond delay="0"/>
                             </p:stCondLst>
                             <p:childTnLst>
                               <p:par>
-                                <p:cTn id="25" presetID="10" presetClass="entr" presetSubtype="0" fill="hold" nodeType="clickEffect">
+                                <p:cTn id="31" presetID="10" presetClass="entr" presetSubtype="0" fill="hold" nodeType="clickEffect">
                                   <p:stCondLst>
                                     <p:cond delay="0"/>
                                   </p:stCondLst>
                                   <p:childTnLst>
                                     <p:set>
                                       <p:cBhvr>
-                                        <p:cTn id="26" dur="1" fill="hold">
+                                        <p:cTn id="32" dur="1" fill="hold">
                                           <p:stCondLst>
                                             <p:cond delay="0"/>
                                           </p:stCondLst>
@@ -7848,7 +7944,7 @@
                                     </p:set>
                                     <p:animEffect transition="in" filter="fade">
                                       <p:cBhvr>
-                                        <p:cTn id="27" dur="500"/>
+                                        <p:cTn id="33" dur="500"/>
                                         <p:tgtEl>
                                           <p:spTgt spid="3">
                                             <p:txEl>
@@ -7868,26 +7964,87 @@
                     </p:cTn>
                   </p:par>
                   <p:par>
-                    <p:cTn id="28" fill="hold">
+                    <p:cTn id="34" fill="hold">
                       <p:stCondLst>
                         <p:cond delay="indefinite"/>
                       </p:stCondLst>
                       <p:childTnLst>
                         <p:par>
-                          <p:cTn id="29" fill="hold">
+                          <p:cTn id="35" fill="hold">
                             <p:stCondLst>
                               <p:cond delay="0"/>
                             </p:stCondLst>
                             <p:childTnLst>
                               <p:par>
-                                <p:cTn id="30" presetID="10" presetClass="entr" presetSubtype="0" fill="hold" nodeType="clickEffect">
+                                <p:cTn id="36" presetID="10" presetClass="entr" presetSubtype="0" fill="hold" nodeType="clickEffect">
                                   <p:stCondLst>
                                     <p:cond delay="0"/>
                                   </p:stCondLst>
                                   <p:childTnLst>
                                     <p:set>
                                       <p:cBhvr>
-                                        <p:cTn id="31" dur="1" fill="hold">
+                                        <p:cTn id="37" dur="1" fill="hold">
+                                          <p:stCondLst>
+                                            <p:cond delay="0"/>
+                                          </p:stCondLst>
+                                        </p:cTn>
+                                        <p:tgtEl>
+                                          <p:spTgt spid="3">
+                                            <p:txEl>
+                                              <p:pRg st="9" end="9"/>
+                                            </p:txEl>
+                                          </p:spTgt>
+                                        </p:tgtEl>
+                                        <p:attrNameLst>
+                                          <p:attrName>style.visibility</p:attrName>
+                                        </p:attrNameLst>
+                                      </p:cBhvr>
+                                      <p:to>
+                                        <p:strVal val="visible"/>
+                                      </p:to>
+                                    </p:set>
+                                    <p:animEffect transition="in" filter="fade">
+                                      <p:cBhvr>
+                                        <p:cTn id="38" dur="500"/>
+                                        <p:tgtEl>
+                                          <p:spTgt spid="3">
+                                            <p:txEl>
+                                              <p:pRg st="9" end="9"/>
+                                            </p:txEl>
+                                          </p:spTgt>
+                                        </p:tgtEl>
+                                      </p:cBhvr>
+                                    </p:animEffect>
+                                  </p:childTnLst>
+                                </p:cTn>
+                              </p:par>
+                            </p:childTnLst>
+                          </p:cTn>
+                        </p:par>
+                      </p:childTnLst>
+                    </p:cTn>
+                  </p:par>
+                  <p:par>
+                    <p:cTn id="39" fill="hold">
+                      <p:stCondLst>
+                        <p:cond delay="indefinite"/>
+                      </p:stCondLst>
+                      <p:childTnLst>
+                        <p:par>
+                          <p:cTn id="40" fill="hold">
+                            <p:stCondLst>
+                              <p:cond delay="0"/>
+                            </p:stCondLst>
+                            <p:childTnLst>
+                              <p:par>
+                                <p:cTn id="41" presetID="10" presetClass="entr" presetSubtype="0" fill="hold" nodeType="clickEffect">
+                                  <p:stCondLst>
+                                    <p:cond delay="0"/>
+                                  </p:stCondLst>
+                                  <p:childTnLst>
+                                    <p:set>
+                                      <p:cBhvr>
+                                        <p:cTn id="42" dur="1" fill="hold">
                                           <p:stCondLst>
                                             <p:cond delay="0"/>
                                           </p:stCondLst>
@@ -7909,7 +8066,7 @@
                                     </p:set>
                                     <p:animEffect transition="in" filter="fade">
                                       <p:cBhvr>
-                                        <p:cTn id="32" dur="500"/>
+                                        <p:cTn id="43" dur="500"/>
                                         <p:tgtEl>
                                           <p:spTgt spid="3">
                                             <p:txEl>
@@ -8576,7 +8733,7 @@
             </a:pPr>
             <a:r>
               <a:rPr lang="en-US" altLang="zh-TW" sz="2000" dirty="0"/>
-              <a:t>DSL (Digital Subscriber Line) for smaller sites.</a:t>
+              <a:t>Digital Subscriber Line (DSL) for smaller sites.</a:t>
             </a:r>
           </a:p>
           <a:p>
@@ -10737,13 +10894,13 @@
   <p:clrMapOvr>
     <a:masterClrMapping/>
   </p:clrMapOvr>
-  <mc:AlternateContent xmlns:mc="http://schemas.openxmlformats.org/markup-compatibility/2006">
-    <mc:Choice xmlns:p159="http://schemas.microsoft.com/office/powerpoint/2015/09/main" Requires="p159">
+  <mc:AlternateContent xmlns:mc="http://schemas.openxmlformats.org/markup-compatibility/2006" xmlns:p159="http://schemas.microsoft.com/office/powerpoint/2015/09/main">
+    <mc:Choice Requires="p159">
       <p:transition xmlns:p14="http://schemas.microsoft.com/office/powerpoint/2010/main" spd="slow" p14:dur="2000">
         <p159:morph option="byObject"/>
       </p:transition>
     </mc:Choice>
-    <mc:Fallback>
+    <mc:Fallback xmlns="">
       <p:transition spd="slow">
         <p:fade/>
       </p:transition>
@@ -16515,13 +16672,13 @@
   <p:clrMapOvr>
     <a:masterClrMapping/>
   </p:clrMapOvr>
-  <mc:AlternateContent xmlns:mc="http://schemas.openxmlformats.org/markup-compatibility/2006">
-    <mc:Choice xmlns:p159="http://schemas.microsoft.com/office/powerpoint/2015/09/main" Requires="p159">
+  <mc:AlternateContent xmlns:mc="http://schemas.openxmlformats.org/markup-compatibility/2006" xmlns:p159="http://schemas.microsoft.com/office/powerpoint/2015/09/main">
+    <mc:Choice Requires="p159">
       <p:transition xmlns:p14="http://schemas.microsoft.com/office/powerpoint/2010/main" spd="slow" p14:dur="2000">
         <p159:morph option="byObject"/>
       </p:transition>
     </mc:Choice>
-    <mc:Fallback>
+    <mc:Fallback xmlns="">
       <p:transition spd="slow">
         <p:fade/>
       </p:transition>
@@ -21491,7 +21648,7 @@
             </a:pPr>
             <a:r>
               <a:rPr lang="en-US" altLang="zh-TW" sz="2400" dirty="0"/>
-              <a:t>Managers must balance innovation, privacy, and security..</a:t>
+              <a:t>Managers must balance innovation, privacy, and security.</a:t>
             </a:r>
             <a:endParaRPr lang="en-US" altLang="zh-TW" sz="1200" dirty="0"/>
           </a:p>
@@ -26466,7 +26623,7 @@
             </a:pPr>
             <a:r>
               <a:rPr lang="en-US" altLang="zh-TW" sz="2400" dirty="0"/>
-              <a:t>Many companies now use Internet telephony (VoIP) instead of traditional phone systems.</a:t>
+              <a:t>Many companies now use Internet telephony (Voice over Internet Protocol, VoIP) instead of traditional phone systems.</a:t>
             </a:r>
           </a:p>
           <a:p>
@@ -26491,7 +26648,7 @@
             </a:pPr>
             <a:r>
               <a:rPr lang="en-US" altLang="zh-TW" sz="2400" dirty="0"/>
-              <a:t>Key challenge: Integrating voice, data, wireless, and cloud systems into one reliable infrastructure.</a:t>
+              <a:t>Key Challenge: Integrating voice, data, wireless, and cloud systems into one reliable infrastructure.</a:t>
             </a:r>
           </a:p>
           <a:p>
